--- a/Proyectos Power Point.pptx
+++ b/Proyectos Power Point.pptx
@@ -104,6 +104,11 @@
       </a:defRPr>
     </a:lvl9pPr>
   </p:defaultTextStyle>
+  <p:extLst>
+    <p:ext uri="{EFAFB233-063F-42B5-8137-9DF3F51BA10A}">
+      <p15:sldGuideLst xmlns:p15="http://schemas.microsoft.com/office/powerpoint/2012/main"/>
+    </p:ext>
+  </p:extLst>
 </p:presentation>
 </file>
 
@@ -238,7 +243,7 @@
           <a:p>
             <a:fld id="{5B5AD78C-19F9-4C54-97E4-B5F9F9409B9D}" type="datetimeFigureOut">
               <a:rPr lang="es-AR" smtClean="0"/>
-              <a:t>16/5/2022</a:t>
+              <a:t>17/5/2022</a:t>
             </a:fld>
             <a:endParaRPr lang="es-AR"/>
           </a:p>
@@ -408,7 +413,7 @@
           <a:p>
             <a:fld id="{5B5AD78C-19F9-4C54-97E4-B5F9F9409B9D}" type="datetimeFigureOut">
               <a:rPr lang="es-AR" smtClean="0"/>
-              <a:t>16/5/2022</a:t>
+              <a:t>17/5/2022</a:t>
             </a:fld>
             <a:endParaRPr lang="es-AR"/>
           </a:p>
@@ -588,7 +593,7 @@
           <a:p>
             <a:fld id="{5B5AD78C-19F9-4C54-97E4-B5F9F9409B9D}" type="datetimeFigureOut">
               <a:rPr lang="es-AR" smtClean="0"/>
-              <a:t>16/5/2022</a:t>
+              <a:t>17/5/2022</a:t>
             </a:fld>
             <a:endParaRPr lang="es-AR"/>
           </a:p>
@@ -758,7 +763,7 @@
           <a:p>
             <a:fld id="{5B5AD78C-19F9-4C54-97E4-B5F9F9409B9D}" type="datetimeFigureOut">
               <a:rPr lang="es-AR" smtClean="0"/>
-              <a:t>16/5/2022</a:t>
+              <a:t>17/5/2022</a:t>
             </a:fld>
             <a:endParaRPr lang="es-AR"/>
           </a:p>
@@ -1002,7 +1007,7 @@
           <a:p>
             <a:fld id="{5B5AD78C-19F9-4C54-97E4-B5F9F9409B9D}" type="datetimeFigureOut">
               <a:rPr lang="es-AR" smtClean="0"/>
-              <a:t>16/5/2022</a:t>
+              <a:t>17/5/2022</a:t>
             </a:fld>
             <a:endParaRPr lang="es-AR"/>
           </a:p>
@@ -1234,7 +1239,7 @@
           <a:p>
             <a:fld id="{5B5AD78C-19F9-4C54-97E4-B5F9F9409B9D}" type="datetimeFigureOut">
               <a:rPr lang="es-AR" smtClean="0"/>
-              <a:t>16/5/2022</a:t>
+              <a:t>17/5/2022</a:t>
             </a:fld>
             <a:endParaRPr lang="es-AR"/>
           </a:p>
@@ -1601,7 +1606,7 @@
           <a:p>
             <a:fld id="{5B5AD78C-19F9-4C54-97E4-B5F9F9409B9D}" type="datetimeFigureOut">
               <a:rPr lang="es-AR" smtClean="0"/>
-              <a:t>16/5/2022</a:t>
+              <a:t>17/5/2022</a:t>
             </a:fld>
             <a:endParaRPr lang="es-AR"/>
           </a:p>
@@ -1719,7 +1724,7 @@
           <a:p>
             <a:fld id="{5B5AD78C-19F9-4C54-97E4-B5F9F9409B9D}" type="datetimeFigureOut">
               <a:rPr lang="es-AR" smtClean="0"/>
-              <a:t>16/5/2022</a:t>
+              <a:t>17/5/2022</a:t>
             </a:fld>
             <a:endParaRPr lang="es-AR"/>
           </a:p>
@@ -1814,7 +1819,7 @@
           <a:p>
             <a:fld id="{5B5AD78C-19F9-4C54-97E4-B5F9F9409B9D}" type="datetimeFigureOut">
               <a:rPr lang="es-AR" smtClean="0"/>
-              <a:t>16/5/2022</a:t>
+              <a:t>17/5/2022</a:t>
             </a:fld>
             <a:endParaRPr lang="es-AR"/>
           </a:p>
@@ -2091,7 +2096,7 @@
           <a:p>
             <a:fld id="{5B5AD78C-19F9-4C54-97E4-B5F9F9409B9D}" type="datetimeFigureOut">
               <a:rPr lang="es-AR" smtClean="0"/>
-              <a:t>16/5/2022</a:t>
+              <a:t>17/5/2022</a:t>
             </a:fld>
             <a:endParaRPr lang="es-AR"/>
           </a:p>
@@ -2348,7 +2353,7 @@
           <a:p>
             <a:fld id="{5B5AD78C-19F9-4C54-97E4-B5F9F9409B9D}" type="datetimeFigureOut">
               <a:rPr lang="es-AR" smtClean="0"/>
-              <a:t>16/5/2022</a:t>
+              <a:t>17/5/2022</a:t>
             </a:fld>
             <a:endParaRPr lang="es-AR"/>
           </a:p>
@@ -2561,7 +2566,7 @@
           <a:p>
             <a:fld id="{5B5AD78C-19F9-4C54-97E4-B5F9F9409B9D}" type="datetimeFigureOut">
               <a:rPr lang="es-AR" smtClean="0"/>
-              <a:t>16/5/2022</a:t>
+              <a:t>17/5/2022</a:t>
             </a:fld>
             <a:endParaRPr lang="es-AR"/>
           </a:p>
@@ -3270,239 +3275,6 @@
       </p:pic>
       <p:sp>
         <p:nvSpPr>
-          <p:cNvPr id="16" name="Rectángulo 15">
-            <a:extLst>
-              <a:ext uri="{FF2B5EF4-FFF2-40B4-BE49-F238E27FC236}">
-                <a16:creationId xmlns:a16="http://schemas.microsoft.com/office/drawing/2014/main" id="{4CBFB721-C435-4C36-94CE-EE6F7CDB9065}"/>
-              </a:ext>
-            </a:extLst>
-          </p:cNvPr>
-          <p:cNvSpPr/>
-          <p:nvPr/>
-        </p:nvSpPr>
-        <p:spPr>
-          <a:xfrm>
-            <a:off x="0" y="1022993"/>
-            <a:ext cx="6858000" cy="294640"/>
-          </a:xfrm>
-          <a:prstGeom prst="rect">
-            <a:avLst/>
-          </a:prstGeom>
-          <a:solidFill>
-            <a:schemeClr val="tx1">
-              <a:lumMod val="50000"/>
-              <a:lumOff val="50000"/>
-              <a:alpha val="61961"/>
-            </a:schemeClr>
-          </a:solidFill>
-          <a:ln>
-            <a:noFill/>
-          </a:ln>
-        </p:spPr>
-        <p:style>
-          <a:lnRef idx="2">
-            <a:schemeClr val="accent1">
-              <a:shade val="50000"/>
-            </a:schemeClr>
-          </a:lnRef>
-          <a:fillRef idx="1">
-            <a:schemeClr val="accent1"/>
-          </a:fillRef>
-          <a:effectRef idx="0">
-            <a:schemeClr val="accent1"/>
-          </a:effectRef>
-          <a:fontRef idx="minor">
-            <a:schemeClr val="lt1"/>
-          </a:fontRef>
-        </p:style>
-        <p:txBody>
-          <a:bodyPr rtlCol="0" anchor="ctr"/>
-          <a:lstStyle/>
-          <a:p>
-            <a:pPr algn="ctr"/>
-            <a:endParaRPr lang="es-AR"/>
-          </a:p>
-        </p:txBody>
-      </p:sp>
-      <p:sp>
-        <p:nvSpPr>
-          <p:cNvPr id="13" name="CuadroTexto 12">
-            <a:extLst>
-              <a:ext uri="{FF2B5EF4-FFF2-40B4-BE49-F238E27FC236}">
-                <a16:creationId xmlns:a16="http://schemas.microsoft.com/office/drawing/2014/main" id="{12F8F621-D20B-4CCB-95EA-8F0CC8D84F31}"/>
-              </a:ext>
-            </a:extLst>
-          </p:cNvPr>
-          <p:cNvSpPr txBox="1"/>
-          <p:nvPr/>
-        </p:nvSpPr>
-        <p:spPr>
-          <a:xfrm>
-            <a:off x="3110356" y="1054897"/>
-            <a:ext cx="678391" cy="230832"/>
-          </a:xfrm>
-          <a:prstGeom prst="rect">
-            <a:avLst/>
-          </a:prstGeom>
-          <a:noFill/>
-        </p:spPr>
-        <p:txBody>
-          <a:bodyPr wrap="none" rtlCol="0">
-            <a:spAutoFit/>
-          </a:bodyPr>
-          <a:lstStyle/>
-          <a:p>
-            <a:r>
-              <a:rPr lang="es-AR" sz="900" dirty="0">
-                <a:solidFill>
-                  <a:schemeClr val="bg1">
-                    <a:lumMod val="95000"/>
-                  </a:schemeClr>
-                </a:solidFill>
-              </a:rPr>
-              <a:t>Categorías</a:t>
-            </a:r>
-          </a:p>
-        </p:txBody>
-      </p:sp>
-      <p:sp>
-        <p:nvSpPr>
-          <p:cNvPr id="15" name="CuadroTexto 14">
-            <a:extLst>
-              <a:ext uri="{FF2B5EF4-FFF2-40B4-BE49-F238E27FC236}">
-                <a16:creationId xmlns:a16="http://schemas.microsoft.com/office/drawing/2014/main" id="{26E8BA1D-B09C-477C-B692-5497F30E7433}"/>
-              </a:ext>
-            </a:extLst>
-          </p:cNvPr>
-          <p:cNvSpPr txBox="1"/>
-          <p:nvPr/>
-        </p:nvSpPr>
-        <p:spPr>
-          <a:xfrm>
-            <a:off x="3804095" y="1054897"/>
-            <a:ext cx="768159" cy="230832"/>
-          </a:xfrm>
-          <a:prstGeom prst="rect">
-            <a:avLst/>
-          </a:prstGeom>
-          <a:noFill/>
-        </p:spPr>
-        <p:txBody>
-          <a:bodyPr wrap="none" rtlCol="0">
-            <a:spAutoFit/>
-          </a:bodyPr>
-          <a:lstStyle/>
-          <a:p>
-            <a:r>
-              <a:rPr lang="es-AR" sz="900" dirty="0">
-                <a:solidFill>
-                  <a:schemeClr val="bg1">
-                    <a:lumMod val="95000"/>
-                  </a:schemeClr>
-                </a:solidFill>
-              </a:rPr>
-              <a:t>Contáctanos</a:t>
-            </a:r>
-          </a:p>
-        </p:txBody>
-      </p:sp>
-      <p:sp>
-        <p:nvSpPr>
-          <p:cNvPr id="17" name="Rectángulo: esquinas redondeadas 16">
-            <a:extLst>
-              <a:ext uri="{FF2B5EF4-FFF2-40B4-BE49-F238E27FC236}">
-                <a16:creationId xmlns:a16="http://schemas.microsoft.com/office/drawing/2014/main" id="{65A731FE-DCF7-4565-91F6-12A0EB214CA4}"/>
-              </a:ext>
-            </a:extLst>
-          </p:cNvPr>
-          <p:cNvSpPr/>
-          <p:nvPr/>
-        </p:nvSpPr>
-        <p:spPr>
-          <a:xfrm>
-            <a:off x="2361098" y="1045400"/>
-            <a:ext cx="678391" cy="259714"/>
-          </a:xfrm>
-          <a:prstGeom prst="roundRect">
-            <a:avLst/>
-          </a:prstGeom>
-          <a:solidFill>
-            <a:schemeClr val="accent2">
-              <a:lumMod val="75000"/>
-            </a:schemeClr>
-          </a:solidFill>
-          <a:ln>
-            <a:noFill/>
-          </a:ln>
-        </p:spPr>
-        <p:style>
-          <a:lnRef idx="2">
-            <a:schemeClr val="accent1">
-              <a:shade val="50000"/>
-            </a:schemeClr>
-          </a:lnRef>
-          <a:fillRef idx="1">
-            <a:schemeClr val="accent1"/>
-          </a:fillRef>
-          <a:effectRef idx="0">
-            <a:schemeClr val="accent1"/>
-          </a:effectRef>
-          <a:fontRef idx="minor">
-            <a:schemeClr val="lt1"/>
-          </a:fontRef>
-        </p:style>
-        <p:txBody>
-          <a:bodyPr rtlCol="0" anchor="ctr"/>
-          <a:lstStyle/>
-          <a:p>
-            <a:pPr algn="ctr"/>
-            <a:endParaRPr lang="es-AR"/>
-          </a:p>
-        </p:txBody>
-      </p:sp>
-      <p:sp>
-        <p:nvSpPr>
-          <p:cNvPr id="14" name="CuadroTexto 13">
-            <a:extLst>
-              <a:ext uri="{FF2B5EF4-FFF2-40B4-BE49-F238E27FC236}">
-                <a16:creationId xmlns:a16="http://schemas.microsoft.com/office/drawing/2014/main" id="{03135FCD-5123-4C06-8032-E5BD71224B47}"/>
-              </a:ext>
-            </a:extLst>
-          </p:cNvPr>
-          <p:cNvSpPr txBox="1"/>
-          <p:nvPr/>
-        </p:nvSpPr>
-        <p:spPr>
-          <a:xfrm>
-            <a:off x="2481324" y="1054897"/>
-            <a:ext cx="437940" cy="230832"/>
-          </a:xfrm>
-          <a:prstGeom prst="rect">
-            <a:avLst/>
-          </a:prstGeom>
-          <a:noFill/>
-        </p:spPr>
-        <p:txBody>
-          <a:bodyPr wrap="none" rtlCol="0">
-            <a:spAutoFit/>
-          </a:bodyPr>
-          <a:lstStyle/>
-          <a:p>
-            <a:r>
-              <a:rPr lang="es-AR" sz="900" dirty="0">
-                <a:solidFill>
-                  <a:schemeClr val="bg1">
-                    <a:lumMod val="95000"/>
-                  </a:schemeClr>
-                </a:solidFill>
-              </a:rPr>
-              <a:t>Inicio</a:t>
-            </a:r>
-          </a:p>
-        </p:txBody>
-      </p:sp>
-      <p:sp>
-        <p:nvSpPr>
           <p:cNvPr id="18" name="Rectángulo: esquinas redondeadas 17">
             <a:extLst>
               <a:ext uri="{FF2B5EF4-FFF2-40B4-BE49-F238E27FC236}">
@@ -3585,6 +3357,1133 @@
           </a:prstGeom>
         </p:spPr>
       </p:pic>
+      <p:sp>
+        <p:nvSpPr>
+          <p:cNvPr id="2" name="Rectángulo 1">
+            <a:extLst>
+              <a:ext uri="{FF2B5EF4-FFF2-40B4-BE49-F238E27FC236}">
+                <a16:creationId xmlns:a16="http://schemas.microsoft.com/office/drawing/2014/main" id="{7DD4D18D-A76E-4EBF-B2FA-61E6E2E06156}"/>
+              </a:ext>
+            </a:extLst>
+          </p:cNvPr>
+          <p:cNvSpPr/>
+          <p:nvPr/>
+        </p:nvSpPr>
+        <p:spPr>
+          <a:xfrm>
+            <a:off x="85724" y="1330333"/>
+            <a:ext cx="6686551" cy="2627070"/>
+          </a:xfrm>
+          <a:prstGeom prst="rect">
+            <a:avLst/>
+          </a:prstGeom>
+          <a:blipFill dpi="0" rotWithShape="1">
+            <a:blip r:embed="rId6">
+              <a:extLst>
+                <a:ext uri="{28A0092B-C50C-407E-A947-70E740481C1C}">
+                  <a14:useLocalDpi xmlns:a14="http://schemas.microsoft.com/office/drawing/2010/main" val="0"/>
+                </a:ext>
+              </a:extLst>
+            </a:blip>
+            <a:srcRect/>
+            <a:stretch>
+              <a:fillRect t="734" b="-73864"/>
+            </a:stretch>
+          </a:blipFill>
+          <a:ln>
+            <a:noFill/>
+          </a:ln>
+        </p:spPr>
+        <p:style>
+          <a:lnRef idx="2">
+            <a:schemeClr val="accent1">
+              <a:shade val="50000"/>
+            </a:schemeClr>
+          </a:lnRef>
+          <a:fillRef idx="1">
+            <a:schemeClr val="accent1"/>
+          </a:fillRef>
+          <a:effectRef idx="0">
+            <a:schemeClr val="accent1"/>
+          </a:effectRef>
+          <a:fontRef idx="minor">
+            <a:schemeClr val="lt1"/>
+          </a:fontRef>
+        </p:style>
+        <p:txBody>
+          <a:bodyPr rtlCol="0" anchor="ctr"/>
+          <a:lstStyle/>
+          <a:p>
+            <a:pPr algn="ctr"/>
+            <a:endParaRPr lang="es-AR"/>
+          </a:p>
+        </p:txBody>
+      </p:sp>
+      <p:sp>
+        <p:nvSpPr>
+          <p:cNvPr id="12" name="Rectángulo 11">
+            <a:extLst>
+              <a:ext uri="{FF2B5EF4-FFF2-40B4-BE49-F238E27FC236}">
+                <a16:creationId xmlns:a16="http://schemas.microsoft.com/office/drawing/2014/main" id="{DB8CB121-225B-4FD3-B497-142D604EA0DD}"/>
+              </a:ext>
+            </a:extLst>
+          </p:cNvPr>
+          <p:cNvSpPr/>
+          <p:nvPr/>
+        </p:nvSpPr>
+        <p:spPr>
+          <a:xfrm>
+            <a:off x="85724" y="1345319"/>
+            <a:ext cx="6686550" cy="2612084"/>
+          </a:xfrm>
+          <a:prstGeom prst="rect">
+            <a:avLst/>
+          </a:prstGeom>
+          <a:solidFill>
+            <a:schemeClr val="tx1">
+              <a:alpha val="42000"/>
+            </a:schemeClr>
+          </a:solidFill>
+          <a:ln>
+            <a:noFill/>
+          </a:ln>
+        </p:spPr>
+        <p:style>
+          <a:lnRef idx="2">
+            <a:schemeClr val="accent1">
+              <a:shade val="50000"/>
+            </a:schemeClr>
+          </a:lnRef>
+          <a:fillRef idx="1">
+            <a:schemeClr val="accent1"/>
+          </a:fillRef>
+          <a:effectRef idx="0">
+            <a:schemeClr val="accent1"/>
+          </a:effectRef>
+          <a:fontRef idx="minor">
+            <a:schemeClr val="lt1"/>
+          </a:fontRef>
+        </p:style>
+        <p:txBody>
+          <a:bodyPr rtlCol="0" anchor="ctr"/>
+          <a:lstStyle/>
+          <a:p>
+            <a:pPr algn="ctr"/>
+            <a:endParaRPr lang="es-AR"/>
+          </a:p>
+        </p:txBody>
+      </p:sp>
+      <p:sp>
+        <p:nvSpPr>
+          <p:cNvPr id="11" name="CuadroTexto 10">
+            <a:extLst>
+              <a:ext uri="{FF2B5EF4-FFF2-40B4-BE49-F238E27FC236}">
+                <a16:creationId xmlns:a16="http://schemas.microsoft.com/office/drawing/2014/main" id="{B2799EBB-FFB0-4B67-A41C-664A83137C9B}"/>
+              </a:ext>
+            </a:extLst>
+          </p:cNvPr>
+          <p:cNvSpPr txBox="1"/>
+          <p:nvPr/>
+        </p:nvSpPr>
+        <p:spPr>
+          <a:xfrm>
+            <a:off x="154161" y="1937401"/>
+            <a:ext cx="3669018" cy="400110"/>
+          </a:xfrm>
+          <a:prstGeom prst="rect">
+            <a:avLst/>
+          </a:prstGeom>
+          <a:noFill/>
+        </p:spPr>
+        <p:txBody>
+          <a:bodyPr wrap="none" rtlCol="0">
+            <a:spAutoFit/>
+          </a:bodyPr>
+          <a:lstStyle/>
+          <a:p>
+            <a:r>
+              <a:rPr lang="es-AR" sz="2000" dirty="0">
+                <a:solidFill>
+                  <a:schemeClr val="bg1">
+                    <a:lumMod val="95000"/>
+                  </a:schemeClr>
+                </a:solidFill>
+              </a:rPr>
+              <a:t>¿Tenés algún proyecto en mente?</a:t>
+            </a:r>
+          </a:p>
+        </p:txBody>
+      </p:sp>
+      <p:grpSp>
+        <p:nvGrpSpPr>
+          <p:cNvPr id="31" name="navbar">
+            <a:extLst>
+              <a:ext uri="{FF2B5EF4-FFF2-40B4-BE49-F238E27FC236}">
+                <a16:creationId xmlns:a16="http://schemas.microsoft.com/office/drawing/2014/main" id="{C99D4B66-5CD3-4246-BB3E-7B8646452484}"/>
+              </a:ext>
+            </a:extLst>
+          </p:cNvPr>
+          <p:cNvGrpSpPr/>
+          <p:nvPr/>
+        </p:nvGrpSpPr>
+        <p:grpSpPr>
+          <a:xfrm>
+            <a:off x="0" y="1035693"/>
+            <a:ext cx="6858000" cy="294640"/>
+            <a:chOff x="0" y="1035693"/>
+            <a:chExt cx="6858000" cy="294640"/>
+          </a:xfrm>
+        </p:grpSpPr>
+        <p:sp>
+          <p:nvSpPr>
+            <p:cNvPr id="16" name="Rectángulo 15">
+              <a:extLst>
+                <a:ext uri="{FF2B5EF4-FFF2-40B4-BE49-F238E27FC236}">
+                  <a16:creationId xmlns:a16="http://schemas.microsoft.com/office/drawing/2014/main" id="{4CBFB721-C435-4C36-94CE-EE6F7CDB9065}"/>
+                </a:ext>
+              </a:extLst>
+            </p:cNvPr>
+            <p:cNvSpPr/>
+            <p:nvPr/>
+          </p:nvSpPr>
+          <p:spPr>
+            <a:xfrm>
+              <a:off x="0" y="1035693"/>
+              <a:ext cx="6858000" cy="294640"/>
+            </a:xfrm>
+            <a:prstGeom prst="rect">
+              <a:avLst/>
+            </a:prstGeom>
+            <a:solidFill>
+              <a:schemeClr val="tx1">
+                <a:lumMod val="50000"/>
+                <a:lumOff val="50000"/>
+                <a:alpha val="61961"/>
+              </a:schemeClr>
+            </a:solidFill>
+            <a:ln>
+              <a:noFill/>
+            </a:ln>
+          </p:spPr>
+          <p:style>
+            <a:lnRef idx="2">
+              <a:schemeClr val="accent1">
+                <a:shade val="50000"/>
+              </a:schemeClr>
+            </a:lnRef>
+            <a:fillRef idx="1">
+              <a:schemeClr val="accent1"/>
+            </a:fillRef>
+            <a:effectRef idx="0">
+              <a:schemeClr val="accent1"/>
+            </a:effectRef>
+            <a:fontRef idx="minor">
+              <a:schemeClr val="lt1"/>
+            </a:fontRef>
+          </p:style>
+          <p:txBody>
+            <a:bodyPr rtlCol="0" anchor="ctr"/>
+            <a:lstStyle/>
+            <a:p>
+              <a:pPr algn="ctr"/>
+              <a:endParaRPr lang="es-AR"/>
+            </a:p>
+          </p:txBody>
+        </p:sp>
+        <p:sp>
+          <p:nvSpPr>
+            <p:cNvPr id="13" name="CuadroTexto 12">
+              <a:extLst>
+                <a:ext uri="{FF2B5EF4-FFF2-40B4-BE49-F238E27FC236}">
+                  <a16:creationId xmlns:a16="http://schemas.microsoft.com/office/drawing/2014/main" id="{12F8F621-D20B-4CCB-95EA-8F0CC8D84F31}"/>
+                </a:ext>
+              </a:extLst>
+            </p:cNvPr>
+            <p:cNvSpPr txBox="1"/>
+            <p:nvPr/>
+          </p:nvSpPr>
+          <p:spPr>
+            <a:xfrm>
+              <a:off x="3110356" y="1067597"/>
+              <a:ext cx="678391" cy="230832"/>
+            </a:xfrm>
+            <a:prstGeom prst="rect">
+              <a:avLst/>
+            </a:prstGeom>
+            <a:noFill/>
+          </p:spPr>
+          <p:txBody>
+            <a:bodyPr wrap="none" rtlCol="0">
+              <a:spAutoFit/>
+            </a:bodyPr>
+            <a:lstStyle/>
+            <a:p>
+              <a:r>
+                <a:rPr lang="es-AR" sz="900" dirty="0">
+                  <a:solidFill>
+                    <a:schemeClr val="bg1">
+                      <a:lumMod val="95000"/>
+                    </a:schemeClr>
+                  </a:solidFill>
+                </a:rPr>
+                <a:t>Categorías</a:t>
+              </a:r>
+            </a:p>
+          </p:txBody>
+        </p:sp>
+        <p:sp>
+          <p:nvSpPr>
+            <p:cNvPr id="15" name="CuadroTexto 14">
+              <a:extLst>
+                <a:ext uri="{FF2B5EF4-FFF2-40B4-BE49-F238E27FC236}">
+                  <a16:creationId xmlns:a16="http://schemas.microsoft.com/office/drawing/2014/main" id="{26E8BA1D-B09C-477C-B692-5497F30E7433}"/>
+                </a:ext>
+              </a:extLst>
+            </p:cNvPr>
+            <p:cNvSpPr txBox="1"/>
+            <p:nvPr/>
+          </p:nvSpPr>
+          <p:spPr>
+            <a:xfrm>
+              <a:off x="3816127" y="1067597"/>
+              <a:ext cx="768159" cy="230832"/>
+            </a:xfrm>
+            <a:prstGeom prst="rect">
+              <a:avLst/>
+            </a:prstGeom>
+            <a:noFill/>
+          </p:spPr>
+          <p:txBody>
+            <a:bodyPr wrap="none" rtlCol="0">
+              <a:spAutoFit/>
+            </a:bodyPr>
+            <a:lstStyle/>
+            <a:p>
+              <a:r>
+                <a:rPr lang="es-AR" sz="900" dirty="0">
+                  <a:solidFill>
+                    <a:schemeClr val="bg1">
+                      <a:lumMod val="95000"/>
+                    </a:schemeClr>
+                  </a:solidFill>
+                </a:rPr>
+                <a:t>Contáctanos</a:t>
+              </a:r>
+            </a:p>
+          </p:txBody>
+        </p:sp>
+        <p:sp>
+          <p:nvSpPr>
+            <p:cNvPr id="14" name="CuadroTexto 13">
+              <a:extLst>
+                <a:ext uri="{FF2B5EF4-FFF2-40B4-BE49-F238E27FC236}">
+                  <a16:creationId xmlns:a16="http://schemas.microsoft.com/office/drawing/2014/main" id="{03135FCD-5123-4C06-8032-E5BD71224B47}"/>
+                </a:ext>
+              </a:extLst>
+            </p:cNvPr>
+            <p:cNvSpPr txBox="1"/>
+            <p:nvPr/>
+          </p:nvSpPr>
+          <p:spPr>
+            <a:xfrm>
+              <a:off x="2570975" y="1067597"/>
+              <a:ext cx="437940" cy="230832"/>
+            </a:xfrm>
+            <a:prstGeom prst="rect">
+              <a:avLst/>
+            </a:prstGeom>
+            <a:noFill/>
+          </p:spPr>
+          <p:txBody>
+            <a:bodyPr wrap="none" rtlCol="0">
+              <a:spAutoFit/>
+            </a:bodyPr>
+            <a:lstStyle/>
+            <a:p>
+              <a:r>
+                <a:rPr lang="es-AR" sz="900" dirty="0">
+                  <a:solidFill>
+                    <a:schemeClr val="bg1">
+                      <a:lumMod val="95000"/>
+                    </a:schemeClr>
+                  </a:solidFill>
+                </a:rPr>
+                <a:t>Inicio</a:t>
+              </a:r>
+            </a:p>
+          </p:txBody>
+        </p:sp>
+        <p:sp>
+          <p:nvSpPr>
+            <p:cNvPr id="3" name="Rectángulo 2">
+              <a:extLst>
+                <a:ext uri="{FF2B5EF4-FFF2-40B4-BE49-F238E27FC236}">
+                  <a16:creationId xmlns:a16="http://schemas.microsoft.com/office/drawing/2014/main" id="{EFA41681-276D-4503-AD2B-08ED6EE782BE}"/>
+                </a:ext>
+              </a:extLst>
+            </p:cNvPr>
+            <p:cNvSpPr/>
+            <p:nvPr/>
+          </p:nvSpPr>
+          <p:spPr>
+            <a:xfrm>
+              <a:off x="3138401" y="1291193"/>
+              <a:ext cx="622300" cy="36000"/>
+            </a:xfrm>
+            <a:prstGeom prst="rect">
+              <a:avLst/>
+            </a:prstGeom>
+            <a:solidFill>
+              <a:srgbClr val="FFC000"/>
+            </a:solidFill>
+            <a:ln>
+              <a:noFill/>
+            </a:ln>
+          </p:spPr>
+          <p:style>
+            <a:lnRef idx="2">
+              <a:schemeClr val="accent1">
+                <a:shade val="50000"/>
+              </a:schemeClr>
+            </a:lnRef>
+            <a:fillRef idx="1">
+              <a:schemeClr val="accent1"/>
+            </a:fillRef>
+            <a:effectRef idx="0">
+              <a:schemeClr val="accent1"/>
+            </a:effectRef>
+            <a:fontRef idx="minor">
+              <a:schemeClr val="lt1"/>
+            </a:fontRef>
+          </p:style>
+          <p:txBody>
+            <a:bodyPr rtlCol="0" anchor="ctr"/>
+            <a:lstStyle/>
+            <a:p>
+              <a:pPr algn="ctr"/>
+              <a:endParaRPr lang="es-AR"/>
+            </a:p>
+          </p:txBody>
+        </p:sp>
+        <p:sp>
+          <p:nvSpPr>
+            <p:cNvPr id="21" name="Triángulo isósceles 20">
+              <a:extLst>
+                <a:ext uri="{FF2B5EF4-FFF2-40B4-BE49-F238E27FC236}">
+                  <a16:creationId xmlns:a16="http://schemas.microsoft.com/office/drawing/2014/main" id="{0BA13F8C-788F-4288-A947-1335087737C5}"/>
+                </a:ext>
+              </a:extLst>
+            </p:cNvPr>
+            <p:cNvSpPr/>
+            <p:nvPr/>
+          </p:nvSpPr>
+          <p:spPr>
+            <a:xfrm rot="10800000">
+              <a:off x="3718046" y="1171972"/>
+              <a:ext cx="52250" cy="45719"/>
+            </a:xfrm>
+            <a:prstGeom prst="triangle">
+              <a:avLst/>
+            </a:prstGeom>
+            <a:solidFill>
+              <a:schemeClr val="bg1">
+                <a:lumMod val="85000"/>
+              </a:schemeClr>
+            </a:solidFill>
+            <a:ln>
+              <a:noFill/>
+            </a:ln>
+          </p:spPr>
+          <p:style>
+            <a:lnRef idx="2">
+              <a:schemeClr val="accent1">
+                <a:shade val="50000"/>
+              </a:schemeClr>
+            </a:lnRef>
+            <a:fillRef idx="1">
+              <a:schemeClr val="accent1"/>
+            </a:fillRef>
+            <a:effectRef idx="0">
+              <a:schemeClr val="accent1"/>
+            </a:effectRef>
+            <a:fontRef idx="minor">
+              <a:schemeClr val="lt1"/>
+            </a:fontRef>
+          </p:style>
+          <p:txBody>
+            <a:bodyPr rtlCol="0" anchor="ctr"/>
+            <a:lstStyle/>
+            <a:p>
+              <a:pPr algn="ctr"/>
+              <a:endParaRPr lang="es-AR"/>
+            </a:p>
+          </p:txBody>
+        </p:sp>
+      </p:grpSp>
+      <p:grpSp>
+        <p:nvGrpSpPr>
+          <p:cNvPr id="29" name="dropdown" hidden="1">
+            <a:extLst>
+              <a:ext uri="{FF2B5EF4-FFF2-40B4-BE49-F238E27FC236}">
+                <a16:creationId xmlns:a16="http://schemas.microsoft.com/office/drawing/2014/main" id="{EAF69C73-F2C2-4DFF-B5D9-E6E7CA82164D}"/>
+              </a:ext>
+            </a:extLst>
+          </p:cNvPr>
+          <p:cNvGrpSpPr/>
+          <p:nvPr/>
+        </p:nvGrpSpPr>
+        <p:grpSpPr>
+          <a:xfrm>
+            <a:off x="3138401" y="1345320"/>
+            <a:ext cx="1536700" cy="1575680"/>
+            <a:chOff x="3138401" y="1345320"/>
+            <a:chExt cx="1536700" cy="1575680"/>
+          </a:xfrm>
+        </p:grpSpPr>
+        <p:sp>
+          <p:nvSpPr>
+            <p:cNvPr id="20" name="Rectángulo: esquinas redondeadas 19">
+              <a:extLst>
+                <a:ext uri="{FF2B5EF4-FFF2-40B4-BE49-F238E27FC236}">
+                  <a16:creationId xmlns:a16="http://schemas.microsoft.com/office/drawing/2014/main" id="{6D285F2E-6ADE-439B-AE14-FFDFD065DCB6}"/>
+                </a:ext>
+              </a:extLst>
+            </p:cNvPr>
+            <p:cNvSpPr/>
+            <p:nvPr/>
+          </p:nvSpPr>
+          <p:spPr>
+            <a:xfrm>
+              <a:off x="3138401" y="1345320"/>
+              <a:ext cx="1536700" cy="1575680"/>
+            </a:xfrm>
+            <a:prstGeom prst="roundRect">
+              <a:avLst>
+                <a:gd name="adj" fmla="val 1791"/>
+              </a:avLst>
+            </a:prstGeom>
+            <a:solidFill>
+              <a:schemeClr val="bg1">
+                <a:lumMod val="95000"/>
+              </a:schemeClr>
+            </a:solidFill>
+            <a:ln>
+              <a:noFill/>
+            </a:ln>
+          </p:spPr>
+          <p:style>
+            <a:lnRef idx="2">
+              <a:schemeClr val="accent1">
+                <a:shade val="50000"/>
+              </a:schemeClr>
+            </a:lnRef>
+            <a:fillRef idx="1">
+              <a:schemeClr val="accent1"/>
+            </a:fillRef>
+            <a:effectRef idx="0">
+              <a:schemeClr val="accent1"/>
+            </a:effectRef>
+            <a:fontRef idx="minor">
+              <a:schemeClr val="lt1"/>
+            </a:fontRef>
+          </p:style>
+          <p:txBody>
+            <a:bodyPr rtlCol="0" anchor="ctr"/>
+            <a:lstStyle/>
+            <a:p>
+              <a:pPr algn="ctr"/>
+              <a:endParaRPr lang="es-AR"/>
+            </a:p>
+          </p:txBody>
+        </p:sp>
+        <p:sp>
+          <p:nvSpPr>
+            <p:cNvPr id="22" name="CuadroTexto 21">
+              <a:extLst>
+                <a:ext uri="{FF2B5EF4-FFF2-40B4-BE49-F238E27FC236}">
+                  <a16:creationId xmlns:a16="http://schemas.microsoft.com/office/drawing/2014/main" id="{0958EE7E-6272-47FF-BA24-C46ED3DD0CF4}"/>
+                </a:ext>
+              </a:extLst>
+            </p:cNvPr>
+            <p:cNvSpPr txBox="1"/>
+            <p:nvPr/>
+          </p:nvSpPr>
+          <p:spPr>
+            <a:xfrm>
+              <a:off x="3226031" y="1435451"/>
+              <a:ext cx="1346223" cy="230832"/>
+            </a:xfrm>
+            <a:prstGeom prst="rect">
+              <a:avLst/>
+            </a:prstGeom>
+            <a:solidFill>
+              <a:schemeClr val="bg1">
+                <a:lumMod val="85000"/>
+              </a:schemeClr>
+            </a:solidFill>
+          </p:spPr>
+          <p:txBody>
+            <a:bodyPr wrap="square" rtlCol="0">
+              <a:spAutoFit/>
+            </a:bodyPr>
+            <a:lstStyle/>
+            <a:p>
+              <a:r>
+                <a:rPr lang="es-AR" sz="900" dirty="0">
+                  <a:solidFill>
+                    <a:schemeClr val="accent2">
+                      <a:lumMod val="50000"/>
+                    </a:schemeClr>
+                  </a:solidFill>
+                </a:rPr>
+                <a:t>Aberturas</a:t>
+              </a:r>
+            </a:p>
+          </p:txBody>
+        </p:sp>
+        <p:sp>
+          <p:nvSpPr>
+            <p:cNvPr id="23" name="CuadroTexto 22">
+              <a:extLst>
+                <a:ext uri="{FF2B5EF4-FFF2-40B4-BE49-F238E27FC236}">
+                  <a16:creationId xmlns:a16="http://schemas.microsoft.com/office/drawing/2014/main" id="{F60AB9A6-7092-4F11-B161-FC37EB513917}"/>
+                </a:ext>
+              </a:extLst>
+            </p:cNvPr>
+            <p:cNvSpPr txBox="1"/>
+            <p:nvPr/>
+          </p:nvSpPr>
+          <p:spPr>
+            <a:xfrm>
+              <a:off x="3226031" y="1717586"/>
+              <a:ext cx="1346222" cy="230832"/>
+            </a:xfrm>
+            <a:prstGeom prst="rect">
+              <a:avLst/>
+            </a:prstGeom>
+            <a:noFill/>
+          </p:spPr>
+          <p:txBody>
+            <a:bodyPr wrap="square" rtlCol="0">
+              <a:spAutoFit/>
+            </a:bodyPr>
+            <a:lstStyle/>
+            <a:p>
+              <a:r>
+                <a:rPr lang="es-AR" sz="900" dirty="0">
+                  <a:solidFill>
+                    <a:schemeClr val="accent2">
+                      <a:lumMod val="50000"/>
+                    </a:schemeClr>
+                  </a:solidFill>
+                </a:rPr>
+                <a:t>Muebles a Medida</a:t>
+              </a:r>
+            </a:p>
+          </p:txBody>
+        </p:sp>
+        <p:sp>
+          <p:nvSpPr>
+            <p:cNvPr id="24" name="CuadroTexto 23">
+              <a:extLst>
+                <a:ext uri="{FF2B5EF4-FFF2-40B4-BE49-F238E27FC236}">
+                  <a16:creationId xmlns:a16="http://schemas.microsoft.com/office/drawing/2014/main" id="{D3FD8C88-75EE-49B6-AFB1-FBEDF53589A3}"/>
+                </a:ext>
+              </a:extLst>
+            </p:cNvPr>
+            <p:cNvSpPr txBox="1"/>
+            <p:nvPr/>
+          </p:nvSpPr>
+          <p:spPr>
+            <a:xfrm>
+              <a:off x="3226031" y="2019566"/>
+              <a:ext cx="1346222" cy="230832"/>
+            </a:xfrm>
+            <a:prstGeom prst="rect">
+              <a:avLst/>
+            </a:prstGeom>
+            <a:noFill/>
+          </p:spPr>
+          <p:txBody>
+            <a:bodyPr wrap="square" rtlCol="0">
+              <a:spAutoFit/>
+            </a:bodyPr>
+            <a:lstStyle/>
+            <a:p>
+              <a:r>
+                <a:rPr lang="es-AR" sz="900" dirty="0">
+                  <a:solidFill>
+                    <a:schemeClr val="accent2">
+                      <a:lumMod val="50000"/>
+                    </a:schemeClr>
+                  </a:solidFill>
+                </a:rPr>
+                <a:t>Restauraciones</a:t>
+              </a:r>
+            </a:p>
+          </p:txBody>
+        </p:sp>
+        <p:sp>
+          <p:nvSpPr>
+            <p:cNvPr id="25" name="CuadroTexto 24">
+              <a:extLst>
+                <a:ext uri="{FF2B5EF4-FFF2-40B4-BE49-F238E27FC236}">
+                  <a16:creationId xmlns:a16="http://schemas.microsoft.com/office/drawing/2014/main" id="{CBC22303-4DA0-414F-B6B0-1B2F0F723116}"/>
+                </a:ext>
+              </a:extLst>
+            </p:cNvPr>
+            <p:cNvSpPr txBox="1"/>
+            <p:nvPr/>
+          </p:nvSpPr>
+          <p:spPr>
+            <a:xfrm>
+              <a:off x="3226030" y="2279232"/>
+              <a:ext cx="1346222" cy="230832"/>
+            </a:xfrm>
+            <a:prstGeom prst="rect">
+              <a:avLst/>
+            </a:prstGeom>
+            <a:noFill/>
+          </p:spPr>
+          <p:txBody>
+            <a:bodyPr wrap="square" rtlCol="0">
+              <a:spAutoFit/>
+            </a:bodyPr>
+            <a:lstStyle/>
+            <a:p>
+              <a:r>
+                <a:rPr lang="es-AR" sz="900" dirty="0">
+                  <a:solidFill>
+                    <a:schemeClr val="accent2">
+                      <a:lumMod val="50000"/>
+                    </a:schemeClr>
+                  </a:solidFill>
+                </a:rPr>
+                <a:t>Escritorios</a:t>
+              </a:r>
+            </a:p>
+          </p:txBody>
+        </p:sp>
+        <p:sp>
+          <p:nvSpPr>
+            <p:cNvPr id="26" name="CuadroTexto 25">
+              <a:extLst>
+                <a:ext uri="{FF2B5EF4-FFF2-40B4-BE49-F238E27FC236}">
+                  <a16:creationId xmlns:a16="http://schemas.microsoft.com/office/drawing/2014/main" id="{BE67CAA2-9813-4DC0-8A7E-60D50FFDA86A}"/>
+                </a:ext>
+              </a:extLst>
+            </p:cNvPr>
+            <p:cNvSpPr txBox="1"/>
+            <p:nvPr/>
+          </p:nvSpPr>
+          <p:spPr>
+            <a:xfrm>
+              <a:off x="3226030" y="2646931"/>
+              <a:ext cx="1346222" cy="230832"/>
+            </a:xfrm>
+            <a:prstGeom prst="rect">
+              <a:avLst/>
+            </a:prstGeom>
+            <a:noFill/>
+          </p:spPr>
+          <p:txBody>
+            <a:bodyPr wrap="square" rtlCol="0">
+              <a:spAutoFit/>
+            </a:bodyPr>
+            <a:lstStyle/>
+            <a:p>
+              <a:r>
+                <a:rPr lang="es-AR" sz="900" dirty="0">
+                  <a:solidFill>
+                    <a:schemeClr val="accent2">
+                      <a:lumMod val="50000"/>
+                    </a:schemeClr>
+                  </a:solidFill>
+                </a:rPr>
+                <a:t>Sillas</a:t>
+              </a:r>
+            </a:p>
+          </p:txBody>
+        </p:sp>
+        <p:cxnSp>
+          <p:nvCxnSpPr>
+            <p:cNvPr id="28" name="Conector recto 27">
+              <a:extLst>
+                <a:ext uri="{FF2B5EF4-FFF2-40B4-BE49-F238E27FC236}">
+                  <a16:creationId xmlns:a16="http://schemas.microsoft.com/office/drawing/2014/main" id="{A4E9C2FF-4E63-4E07-87D2-85A6D60BAA00}"/>
+                </a:ext>
+              </a:extLst>
+            </p:cNvPr>
+            <p:cNvCxnSpPr/>
+            <p:nvPr/>
+          </p:nvCxnSpPr>
+          <p:spPr>
+            <a:xfrm>
+              <a:off x="3138401" y="2602481"/>
+              <a:ext cx="1536700" cy="0"/>
+            </a:xfrm>
+            <a:prstGeom prst="line">
+              <a:avLst/>
+            </a:prstGeom>
+            <a:ln>
+              <a:solidFill>
+                <a:schemeClr val="bg1">
+                  <a:lumMod val="85000"/>
+                </a:schemeClr>
+              </a:solidFill>
+            </a:ln>
+          </p:spPr>
+          <p:style>
+            <a:lnRef idx="1">
+              <a:schemeClr val="accent1"/>
+            </a:lnRef>
+            <a:fillRef idx="0">
+              <a:schemeClr val="accent1"/>
+            </a:fillRef>
+            <a:effectRef idx="0">
+              <a:schemeClr val="accent1"/>
+            </a:effectRef>
+            <a:fontRef idx="minor">
+              <a:schemeClr val="tx1"/>
+            </a:fontRef>
+          </p:style>
+        </p:cxnSp>
+      </p:grpSp>
+      <p:sp>
+        <p:nvSpPr>
+          <p:cNvPr id="32" name="Rectángulo 31">
+            <a:extLst>
+              <a:ext uri="{FF2B5EF4-FFF2-40B4-BE49-F238E27FC236}">
+                <a16:creationId xmlns:a16="http://schemas.microsoft.com/office/drawing/2014/main" id="{744C12AD-0323-4534-878D-F5B6B5489FB9}"/>
+              </a:ext>
+            </a:extLst>
+          </p:cNvPr>
+          <p:cNvSpPr/>
+          <p:nvPr/>
+        </p:nvSpPr>
+        <p:spPr>
+          <a:xfrm>
+            <a:off x="85725" y="4102100"/>
+            <a:ext cx="6686550" cy="2612084"/>
+          </a:xfrm>
+          <a:prstGeom prst="rect">
+            <a:avLst/>
+          </a:prstGeom>
+          <a:solidFill>
+            <a:schemeClr val="bg1">
+              <a:lumMod val="95000"/>
+            </a:schemeClr>
+          </a:solidFill>
+          <a:ln>
+            <a:noFill/>
+          </a:ln>
+        </p:spPr>
+        <p:style>
+          <a:lnRef idx="2">
+            <a:schemeClr val="accent1">
+              <a:shade val="50000"/>
+            </a:schemeClr>
+          </a:lnRef>
+          <a:fillRef idx="1">
+            <a:schemeClr val="accent1"/>
+          </a:fillRef>
+          <a:effectRef idx="0">
+            <a:schemeClr val="accent1"/>
+          </a:effectRef>
+          <a:fontRef idx="minor">
+            <a:schemeClr val="lt1"/>
+          </a:fontRef>
+        </p:style>
+        <p:txBody>
+          <a:bodyPr rtlCol="0" anchor="ctr"/>
+          <a:lstStyle/>
+          <a:p>
+            <a:pPr algn="ctr"/>
+            <a:endParaRPr lang="es-AR"/>
+          </a:p>
+        </p:txBody>
+      </p:sp>
+      <p:sp>
+        <p:nvSpPr>
+          <p:cNvPr id="33" name="CuadroTexto 32">
+            <a:extLst>
+              <a:ext uri="{FF2B5EF4-FFF2-40B4-BE49-F238E27FC236}">
+                <a16:creationId xmlns:a16="http://schemas.microsoft.com/office/drawing/2014/main" id="{4E14C5DA-E406-4F50-B640-945F830E720D}"/>
+              </a:ext>
+            </a:extLst>
+          </p:cNvPr>
+          <p:cNvSpPr txBox="1"/>
+          <p:nvPr/>
+        </p:nvSpPr>
+        <p:spPr>
+          <a:xfrm>
+            <a:off x="203393" y="2290249"/>
+            <a:ext cx="3574857" cy="646331"/>
+          </a:xfrm>
+          <a:prstGeom prst="rect">
+            <a:avLst/>
+          </a:prstGeom>
+          <a:noFill/>
+        </p:spPr>
+        <p:txBody>
+          <a:bodyPr wrap="square" rtlCol="0">
+            <a:spAutoFit/>
+          </a:bodyPr>
+          <a:lstStyle/>
+          <a:p>
+            <a:r>
+              <a:rPr lang="es-AR" sz="900" dirty="0">
+                <a:solidFill>
+                  <a:schemeClr val="bg1">
+                    <a:lumMod val="95000"/>
+                  </a:schemeClr>
+                </a:solidFill>
+              </a:rPr>
+              <a:t>Los muebles a medida son piezas únicas creadas para un interior en concreto. Al encajarse en el espacio a la perfección, le aportan personalidad, lo hacen singular y único y pasan a convertirse en elementos de la arquitectura.</a:t>
+            </a:r>
+          </a:p>
+        </p:txBody>
+      </p:sp>
+      <p:grpSp>
+        <p:nvGrpSpPr>
+          <p:cNvPr id="37" name="button">
+            <a:extLst>
+              <a:ext uri="{FF2B5EF4-FFF2-40B4-BE49-F238E27FC236}">
+                <a16:creationId xmlns:a16="http://schemas.microsoft.com/office/drawing/2014/main" id="{8628B8CE-3361-400A-8805-9D6907A0D7E8}"/>
+              </a:ext>
+            </a:extLst>
+          </p:cNvPr>
+          <p:cNvGrpSpPr/>
+          <p:nvPr/>
+        </p:nvGrpSpPr>
+        <p:grpSpPr>
+          <a:xfrm>
+            <a:off x="270068" y="2976431"/>
+            <a:ext cx="1459054" cy="230832"/>
+            <a:chOff x="270068" y="2976431"/>
+            <a:chExt cx="1459054" cy="230832"/>
+          </a:xfrm>
+        </p:grpSpPr>
+        <p:sp>
+          <p:nvSpPr>
+            <p:cNvPr id="35" name="Rectángulo: esquinas redondeadas 34">
+              <a:extLst>
+                <a:ext uri="{FF2B5EF4-FFF2-40B4-BE49-F238E27FC236}">
+                  <a16:creationId xmlns:a16="http://schemas.microsoft.com/office/drawing/2014/main" id="{449FDB9A-52E7-4241-A3ED-6664ABD0D6AA}"/>
+                </a:ext>
+              </a:extLst>
+            </p:cNvPr>
+            <p:cNvSpPr/>
+            <p:nvPr/>
+          </p:nvSpPr>
+          <p:spPr>
+            <a:xfrm>
+              <a:off x="298547" y="3001514"/>
+              <a:ext cx="1402097" cy="180667"/>
+            </a:xfrm>
+            <a:prstGeom prst="roundRect">
+              <a:avLst/>
+            </a:prstGeom>
+            <a:noFill/>
+            <a:ln>
+              <a:solidFill>
+                <a:schemeClr val="bg1">
+                  <a:lumMod val="95000"/>
+                </a:schemeClr>
+              </a:solidFill>
+            </a:ln>
+          </p:spPr>
+          <p:style>
+            <a:lnRef idx="2">
+              <a:schemeClr val="accent1">
+                <a:shade val="50000"/>
+              </a:schemeClr>
+            </a:lnRef>
+            <a:fillRef idx="1">
+              <a:schemeClr val="accent1"/>
+            </a:fillRef>
+            <a:effectRef idx="0">
+              <a:schemeClr val="accent1"/>
+            </a:effectRef>
+            <a:fontRef idx="minor">
+              <a:schemeClr val="lt1"/>
+            </a:fontRef>
+          </p:style>
+          <p:txBody>
+            <a:bodyPr rtlCol="0" anchor="ctr"/>
+            <a:lstStyle/>
+            <a:p>
+              <a:pPr algn="ctr"/>
+              <a:endParaRPr lang="es-AR"/>
+            </a:p>
+          </p:txBody>
+        </p:sp>
+        <p:sp>
+          <p:nvSpPr>
+            <p:cNvPr id="34" name="CuadroTexto 33">
+              <a:extLst>
+                <a:ext uri="{FF2B5EF4-FFF2-40B4-BE49-F238E27FC236}">
+                  <a16:creationId xmlns:a16="http://schemas.microsoft.com/office/drawing/2014/main" id="{92822038-0C91-472E-AD2F-169640470D55}"/>
+                </a:ext>
+              </a:extLst>
+            </p:cNvPr>
+            <p:cNvSpPr txBox="1"/>
+            <p:nvPr/>
+          </p:nvSpPr>
+          <p:spPr>
+            <a:xfrm>
+              <a:off x="270068" y="2976431"/>
+              <a:ext cx="1459054" cy="230832"/>
+            </a:xfrm>
+            <a:prstGeom prst="rect">
+              <a:avLst/>
+            </a:prstGeom>
+            <a:noFill/>
+          </p:spPr>
+          <p:txBody>
+            <a:bodyPr wrap="none" rtlCol="0">
+              <a:spAutoFit/>
+            </a:bodyPr>
+            <a:lstStyle/>
+            <a:p>
+              <a:r>
+                <a:rPr lang="es-AR" sz="900" dirty="0">
+                  <a:solidFill>
+                    <a:schemeClr val="bg1">
+                      <a:lumMod val="95000"/>
+                    </a:schemeClr>
+                  </a:solidFill>
+                </a:rPr>
+                <a:t>Contáctanos por WhatsApp</a:t>
+              </a:r>
+            </a:p>
+          </p:txBody>
+        </p:sp>
+      </p:grpSp>
+      <p:sp>
+        <p:nvSpPr>
+          <p:cNvPr id="38" name="CuadroTexto 37">
+            <a:extLst>
+              <a:ext uri="{FF2B5EF4-FFF2-40B4-BE49-F238E27FC236}">
+                <a16:creationId xmlns:a16="http://schemas.microsoft.com/office/drawing/2014/main" id="{4ECDE994-CC2B-4E80-A637-C09FFE345795}"/>
+              </a:ext>
+            </a:extLst>
+          </p:cNvPr>
+          <p:cNvSpPr txBox="1"/>
+          <p:nvPr/>
+        </p:nvSpPr>
+        <p:spPr>
+          <a:xfrm>
+            <a:off x="203393" y="4272485"/>
+            <a:ext cx="1853264" cy="338554"/>
+          </a:xfrm>
+          <a:prstGeom prst="rect">
+            <a:avLst/>
+          </a:prstGeom>
+          <a:noFill/>
+        </p:spPr>
+        <p:txBody>
+          <a:bodyPr wrap="none" rtlCol="0">
+            <a:spAutoFit/>
+          </a:bodyPr>
+          <a:lstStyle/>
+          <a:p>
+            <a:r>
+              <a:rPr lang="es-AR" sz="1600" dirty="0"/>
+              <a:t>Nuestros materiales</a:t>
+            </a:r>
+          </a:p>
+        </p:txBody>
+      </p:sp>
+      <p:sp>
+        <p:nvSpPr>
+          <p:cNvPr id="39" name="Rectángulo 38">
+            <a:extLst>
+              <a:ext uri="{FF2B5EF4-FFF2-40B4-BE49-F238E27FC236}">
+                <a16:creationId xmlns:a16="http://schemas.microsoft.com/office/drawing/2014/main" id="{06FDDB0A-334D-4D80-A078-5E15DE568629}"/>
+              </a:ext>
+            </a:extLst>
+          </p:cNvPr>
+          <p:cNvSpPr/>
+          <p:nvPr/>
+        </p:nvSpPr>
+        <p:spPr>
+          <a:xfrm>
+            <a:off x="270068" y="5077326"/>
+            <a:ext cx="1967806" cy="1491916"/>
+          </a:xfrm>
+          <a:prstGeom prst="rect">
+            <a:avLst/>
+          </a:prstGeom>
+          <a:noFill/>
+          <a:ln>
+            <a:solidFill>
+              <a:schemeClr val="bg1">
+                <a:lumMod val="85000"/>
+              </a:schemeClr>
+            </a:solidFill>
+          </a:ln>
+        </p:spPr>
+        <p:style>
+          <a:lnRef idx="2">
+            <a:schemeClr val="accent1">
+              <a:shade val="50000"/>
+            </a:schemeClr>
+          </a:lnRef>
+          <a:fillRef idx="1">
+            <a:schemeClr val="accent1"/>
+          </a:fillRef>
+          <a:effectRef idx="0">
+            <a:schemeClr val="accent1"/>
+          </a:effectRef>
+          <a:fontRef idx="minor">
+            <a:schemeClr val="lt1"/>
+          </a:fontRef>
+        </p:style>
+        <p:txBody>
+          <a:bodyPr rtlCol="0" anchor="ctr"/>
+          <a:lstStyle/>
+          <a:p>
+            <a:pPr algn="ctr"/>
+            <a:endParaRPr lang="es-AR"/>
+          </a:p>
+        </p:txBody>
+      </p:sp>
+      <p:sp>
+        <p:nvSpPr>
+          <p:cNvPr id="40" name="CuadroTexto 39">
+            <a:extLst>
+              <a:ext uri="{FF2B5EF4-FFF2-40B4-BE49-F238E27FC236}">
+                <a16:creationId xmlns:a16="http://schemas.microsoft.com/office/drawing/2014/main" id="{AB8F77AC-3F3D-44AB-ADBC-EA695F97EA67}"/>
+              </a:ext>
+            </a:extLst>
+          </p:cNvPr>
+          <p:cNvSpPr txBox="1"/>
+          <p:nvPr/>
+        </p:nvSpPr>
+        <p:spPr>
+          <a:xfrm>
+            <a:off x="212918" y="4552659"/>
+            <a:ext cx="1967807" cy="507831"/>
+          </a:xfrm>
+          <a:prstGeom prst="rect">
+            <a:avLst/>
+          </a:prstGeom>
+          <a:noFill/>
+        </p:spPr>
+        <p:txBody>
+          <a:bodyPr wrap="square" rtlCol="0">
+            <a:spAutoFit/>
+          </a:bodyPr>
+          <a:lstStyle/>
+          <a:p>
+            <a:r>
+              <a:rPr lang="es-AR" sz="900" dirty="0"/>
+              <a:t>Los muebles a medida son piezas únicas creadas para un interior en concreto. </a:t>
+            </a:r>
+          </a:p>
+        </p:txBody>
+      </p:sp>
     </p:spTree>
     <p:extLst>
       <p:ext uri="{BB962C8B-B14F-4D97-AF65-F5344CB8AC3E}">
